--- a/Row/Плакат Бирюков.pptx
+++ b/Row/Плакат Бирюков.pptx
@@ -316,7 +316,7 @@
   </p:defaultTextStyle>
   <p:extLst>
     <p:ext uri="{EFAFB233-063F-42B5-8137-9DF3F51BA10A}">
-      <p15:sldGuideLst xmlns="" xmlns:p15="http://schemas.microsoft.com/office/powerpoint/2012/main"/>
+      <p15:sldGuideLst xmlns:p15="http://schemas.microsoft.com/office/powerpoint/2012/main" xmlns=""/>
     </p:ext>
   </p:extLst>
 </p:presentation>
@@ -2948,7 +2948,7 @@
           </a:ln>
           <a:extLst>
             <a:ext uri="{C572A759-6A51-4108-AA02-DFA0A04FC94B}">
-              <ma14:wrappingTextBoxFlag xmlns="" xmlns:m="http://schemas.openxmlformats.org/officeDocument/2006/math" xmlns:a14="http://schemas.microsoft.com/office/drawing/2010/main" xmlns:ma14="http://schemas.microsoft.com/office/mac/drawingml/2011/main" val="1"/>
+              <ma14:wrappingTextBoxFlag xmlns:ma14="http://schemas.microsoft.com/office/mac/drawingml/2011/main" xmlns:a14="http://schemas.microsoft.com/office/drawing/2010/main" xmlns:m="http://schemas.openxmlformats.org/officeDocument/2006/math" xmlns="" val="1"/>
             </a:ext>
           </a:extLst>
         </p:spPr>
@@ -3003,7 +3003,7 @@
           </a:ln>
           <a:extLst>
             <a:ext uri="{C572A759-6A51-4108-AA02-DFA0A04FC94B}">
-              <ma14:wrappingTextBoxFlag xmlns="" xmlns:m="http://schemas.openxmlformats.org/officeDocument/2006/math" xmlns:a14="http://schemas.microsoft.com/office/drawing/2010/main" xmlns:ma14="http://schemas.microsoft.com/office/mac/drawingml/2011/main" val="1"/>
+              <ma14:wrappingTextBoxFlag xmlns:ma14="http://schemas.microsoft.com/office/mac/drawingml/2011/main" xmlns:a14="http://schemas.microsoft.com/office/drawing/2010/main" xmlns:m="http://schemas.openxmlformats.org/officeDocument/2006/math" xmlns="" val="1"/>
             </a:ext>
           </a:extLst>
         </p:spPr>
@@ -3833,7 +3833,7 @@
           </a:prstGeom>
           <a:extLst>
             <a:ext uri="{C572A759-6A51-4108-AA02-DFA0A04FC94B}">
-              <ma14:wrappingTextBoxFlag xmlns="" xmlns:m="http://schemas.openxmlformats.org/officeDocument/2006/math" xmlns:a14="http://schemas.microsoft.com/office/drawing/2010/main" xmlns:ma14="http://schemas.microsoft.com/office/mac/drawingml/2011/main" val="1"/>
+              <ma14:wrappingTextBoxFlag xmlns:ma14="http://schemas.microsoft.com/office/mac/drawingml/2011/main" xmlns:a14="http://schemas.microsoft.com/office/drawing/2010/main" xmlns:m="http://schemas.openxmlformats.org/officeDocument/2006/math" xmlns="" val="1"/>
             </a:ext>
           </a:extLst>
         </p:spPr>
@@ -3877,7 +3877,7 @@
         <p:spPr>
           <a:xfrm>
             <a:off x="698500" y="1854199"/>
-            <a:ext cx="6667673" cy="3302001"/>
+            <a:ext cx="7287260" cy="3302001"/>
           </a:xfrm>
           <a:prstGeom prst="rect">
             <a:avLst/>
@@ -4107,7 +4107,7 @@
           </a:prstGeom>
           <a:extLst>
             <a:ext uri="{C572A759-6A51-4108-AA02-DFA0A04FC94B}">
-              <ma14:wrappingTextBoxFlag xmlns="" xmlns:m="http://schemas.openxmlformats.org/officeDocument/2006/math" xmlns:a14="http://schemas.microsoft.com/office/drawing/2010/main" xmlns:ma14="http://schemas.microsoft.com/office/mac/drawingml/2011/main" val="1"/>
+              <ma14:wrappingTextBoxFlag xmlns:ma14="http://schemas.microsoft.com/office/mac/drawingml/2011/main" xmlns:a14="http://schemas.microsoft.com/office/drawing/2010/main" xmlns:m="http://schemas.openxmlformats.org/officeDocument/2006/math" xmlns="" val="1"/>
             </a:ext>
           </a:extLst>
         </p:spPr>
@@ -4171,7 +4171,7 @@
           </a:ln>
           <a:extLst>
             <a:ext uri="{C572A759-6A51-4108-AA02-DFA0A04FC94B}">
-              <ma14:wrappingTextBoxFlag xmlns="" xmlns:m="http://schemas.openxmlformats.org/officeDocument/2006/math" xmlns:a14="http://schemas.microsoft.com/office/drawing/2010/main" xmlns:ma14="http://schemas.microsoft.com/office/mac/drawingml/2011/main" val="1"/>
+              <ma14:wrappingTextBoxFlag xmlns:ma14="http://schemas.microsoft.com/office/mac/drawingml/2011/main" xmlns:a14="http://schemas.microsoft.com/office/drawing/2010/main" xmlns:m="http://schemas.openxmlformats.org/officeDocument/2006/math" xmlns="" val="1"/>
             </a:ext>
           </a:extLst>
         </p:spPr>
@@ -4219,7 +4219,7 @@
           </a:ln>
           <a:extLst>
             <a:ext uri="{C572A759-6A51-4108-AA02-DFA0A04FC94B}">
-              <ma14:wrappingTextBoxFlag xmlns="" xmlns:m="http://schemas.openxmlformats.org/officeDocument/2006/math" xmlns:a14="http://schemas.microsoft.com/office/drawing/2010/main" xmlns:ma14="http://schemas.microsoft.com/office/mac/drawingml/2011/main" val="1"/>
+              <ma14:wrappingTextBoxFlag xmlns:ma14="http://schemas.microsoft.com/office/mac/drawingml/2011/main" xmlns:a14="http://schemas.microsoft.com/office/drawing/2010/main" xmlns:m="http://schemas.openxmlformats.org/officeDocument/2006/math" xmlns="" val="1"/>
             </a:ext>
           </a:extLst>
         </p:spPr>
@@ -4896,7 +4896,7 @@
           </a:prstGeom>
           <a:extLst>
             <a:ext uri="{C572A759-6A51-4108-AA02-DFA0A04FC94B}">
-              <ma14:wrappingTextBoxFlag xmlns="" xmlns:m="http://schemas.openxmlformats.org/officeDocument/2006/math" xmlns:a14="http://schemas.microsoft.com/office/drawing/2010/main" xmlns:ma14="http://schemas.microsoft.com/office/mac/drawingml/2011/main" val="1"/>
+              <ma14:wrappingTextBoxFlag xmlns:ma14="http://schemas.microsoft.com/office/mac/drawingml/2011/main" xmlns:a14="http://schemas.microsoft.com/office/drawing/2010/main" xmlns:m="http://schemas.openxmlformats.org/officeDocument/2006/math" xmlns="" val="1"/>
             </a:ext>
           </a:extLst>
         </p:spPr>
@@ -4960,7 +4960,7 @@
           </a:ln>
           <a:extLst>
             <a:ext uri="{C572A759-6A51-4108-AA02-DFA0A04FC94B}">
-              <ma14:wrappingTextBoxFlag xmlns="" xmlns:m="http://schemas.openxmlformats.org/officeDocument/2006/math" xmlns:a14="http://schemas.microsoft.com/office/drawing/2010/main" xmlns:ma14="http://schemas.microsoft.com/office/mac/drawingml/2011/main" val="1"/>
+              <ma14:wrappingTextBoxFlag xmlns:ma14="http://schemas.microsoft.com/office/mac/drawingml/2011/main" xmlns:a14="http://schemas.microsoft.com/office/drawing/2010/main" xmlns:m="http://schemas.openxmlformats.org/officeDocument/2006/math" xmlns="" val="1"/>
             </a:ext>
           </a:extLst>
         </p:spPr>
@@ -5008,7 +5008,7 @@
           </a:ln>
           <a:extLst>
             <a:ext uri="{C572A759-6A51-4108-AA02-DFA0A04FC94B}">
-              <ma14:wrappingTextBoxFlag xmlns="" xmlns:m="http://schemas.openxmlformats.org/officeDocument/2006/math" xmlns:a14="http://schemas.microsoft.com/office/drawing/2010/main" xmlns:ma14="http://schemas.microsoft.com/office/mac/drawingml/2011/main" val="1"/>
+              <ma14:wrappingTextBoxFlag xmlns:ma14="http://schemas.microsoft.com/office/mac/drawingml/2011/main" xmlns:a14="http://schemas.microsoft.com/office/drawing/2010/main" xmlns:m="http://schemas.openxmlformats.org/officeDocument/2006/math" xmlns="" val="1"/>
             </a:ext>
           </a:extLst>
         </p:spPr>
@@ -5245,7 +5245,7 @@
           </a:prstGeom>
           <a:extLst>
             <a:ext uri="{C572A759-6A51-4108-AA02-DFA0A04FC94B}">
-              <ma14:wrappingTextBoxFlag xmlns="" xmlns:m="http://schemas.openxmlformats.org/officeDocument/2006/math" xmlns:a14="http://schemas.microsoft.com/office/drawing/2010/main" xmlns:ma14="http://schemas.microsoft.com/office/mac/drawingml/2011/main" val="1"/>
+              <ma14:wrappingTextBoxFlag xmlns:ma14="http://schemas.microsoft.com/office/mac/drawingml/2011/main" xmlns:a14="http://schemas.microsoft.com/office/drawing/2010/main" xmlns:m="http://schemas.openxmlformats.org/officeDocument/2006/math" xmlns="" val="1"/>
             </a:ext>
           </a:extLst>
         </p:spPr>
@@ -5313,7 +5313,7 @@
           </a:ln>
           <a:extLst>
             <a:ext uri="{C572A759-6A51-4108-AA02-DFA0A04FC94B}">
-              <ma14:wrappingTextBoxFlag xmlns="" xmlns:m="http://schemas.openxmlformats.org/officeDocument/2006/math" xmlns:a14="http://schemas.microsoft.com/office/drawing/2010/main" xmlns:ma14="http://schemas.microsoft.com/office/mac/drawingml/2011/main" val="1"/>
+              <ma14:wrappingTextBoxFlag xmlns:ma14="http://schemas.microsoft.com/office/mac/drawingml/2011/main" xmlns:a14="http://schemas.microsoft.com/office/drawing/2010/main" xmlns:m="http://schemas.openxmlformats.org/officeDocument/2006/math" xmlns="" val="1"/>
             </a:ext>
           </a:extLst>
         </p:spPr>
@@ -5361,7 +5361,7 @@
           </a:ln>
           <a:extLst>
             <a:ext uri="{C572A759-6A51-4108-AA02-DFA0A04FC94B}">
-              <ma14:wrappingTextBoxFlag xmlns="" xmlns:m="http://schemas.openxmlformats.org/officeDocument/2006/math" xmlns:a14="http://schemas.microsoft.com/office/drawing/2010/main" xmlns:ma14="http://schemas.microsoft.com/office/mac/drawingml/2011/main" val="1"/>
+              <ma14:wrappingTextBoxFlag xmlns:ma14="http://schemas.microsoft.com/office/mac/drawingml/2011/main" xmlns:a14="http://schemas.microsoft.com/office/drawing/2010/main" xmlns:m="http://schemas.openxmlformats.org/officeDocument/2006/math" xmlns="" val="1"/>
             </a:ext>
           </a:extLst>
         </p:spPr>
@@ -5414,7 +5414,7 @@
           </a:ln>
           <a:extLst>
             <a:ext uri="{C572A759-6A51-4108-AA02-DFA0A04FC94B}">
-              <ma14:wrappingTextBoxFlag xmlns="" xmlns:m="http://schemas.openxmlformats.org/officeDocument/2006/math" xmlns:a14="http://schemas.microsoft.com/office/drawing/2010/main" xmlns:ma14="http://schemas.microsoft.com/office/mac/drawingml/2011/main" val="1"/>
+              <ma14:wrappingTextBoxFlag xmlns:ma14="http://schemas.microsoft.com/office/mac/drawingml/2011/main" xmlns:a14="http://schemas.microsoft.com/office/drawing/2010/main" xmlns:m="http://schemas.openxmlformats.org/officeDocument/2006/math" xmlns="" val="1"/>
             </a:ext>
           </a:extLst>
         </p:spPr>
@@ -5453,7 +5453,7 @@
           <p:cNvPr id="3" name="Недостатки">
             <a:extLst>
               <a:ext uri="{FF2B5EF4-FFF2-40B4-BE49-F238E27FC236}">
-                <a16:creationId xmlns="" xmlns:a16="http://schemas.microsoft.com/office/drawing/2014/main" id="{0A372D5F-F70E-7506-B020-86E694362529}"/>
+                <a16:creationId xmlns:a16="http://schemas.microsoft.com/office/drawing/2014/main" xmlns="" id="{0A372D5F-F70E-7506-B020-86E694362529}"/>
               </a:ext>
             </a:extLst>
           </p:cNvPr>
@@ -5473,7 +5473,7 @@
           </a:ln>
           <a:extLst>
             <a:ext uri="{C572A759-6A51-4108-AA02-DFA0A04FC94B}">
-              <ma14:wrappingTextBoxFlag xmlns="" xmlns:m="http://schemas.openxmlformats.org/officeDocument/2006/math" xmlns:a14="http://schemas.microsoft.com/office/drawing/2010/main" xmlns:ma14="http://schemas.microsoft.com/office/mac/drawingml/2011/main" val="1"/>
+              <ma14:wrappingTextBoxFlag xmlns:ma14="http://schemas.microsoft.com/office/mac/drawingml/2011/main" xmlns:a14="http://schemas.microsoft.com/office/drawing/2010/main" xmlns:m="http://schemas.openxmlformats.org/officeDocument/2006/math" xmlns="" val="1"/>
             </a:ext>
           </a:extLst>
         </p:spPr>
@@ -5507,7 +5507,7 @@
           <p:cNvPr id="4" name="Отсутствие виджетов;…">
             <a:extLst>
               <a:ext uri="{FF2B5EF4-FFF2-40B4-BE49-F238E27FC236}">
-                <a16:creationId xmlns="" xmlns:a16="http://schemas.microsoft.com/office/drawing/2014/main" id="{2F8F5178-DDB2-ECC2-8A32-FF6F540AAF0B}"/>
+                <a16:creationId xmlns:a16="http://schemas.microsoft.com/office/drawing/2014/main" xmlns="" id="{2F8F5178-DDB2-ECC2-8A32-FF6F540AAF0B}"/>
               </a:ext>
             </a:extLst>
           </p:cNvPr>
@@ -5527,7 +5527,7 @@
           </a:ln>
           <a:extLst>
             <a:ext uri="{C572A759-6A51-4108-AA02-DFA0A04FC94B}">
-              <ma14:wrappingTextBoxFlag xmlns="" xmlns:m="http://schemas.openxmlformats.org/officeDocument/2006/math" xmlns:a14="http://schemas.microsoft.com/office/drawing/2010/main" xmlns:ma14="http://schemas.microsoft.com/office/mac/drawingml/2011/main" val="1"/>
+              <ma14:wrappingTextBoxFlag xmlns:ma14="http://schemas.microsoft.com/office/mac/drawingml/2011/main" xmlns:a14="http://schemas.microsoft.com/office/drawing/2010/main" xmlns:m="http://schemas.openxmlformats.org/officeDocument/2006/math" xmlns="" val="1"/>
             </a:ext>
           </a:extLst>
         </p:spPr>

--- a/Row/Плакат Бирюков.pptx
+++ b/Row/Плакат Бирюков.pptx
@@ -316,7 +316,7 @@
   </p:defaultTextStyle>
   <p:extLst>
     <p:ext uri="{EFAFB233-063F-42B5-8137-9DF3F51BA10A}">
-      <p15:sldGuideLst xmlns:p15="http://schemas.microsoft.com/office/powerpoint/2012/main" xmlns=""/>
+      <p15:sldGuideLst xmlns="" xmlns:p15="http://schemas.microsoft.com/office/powerpoint/2012/main"/>
     </p:ext>
   </p:extLst>
 </p:presentation>
@@ -2948,7 +2948,7 @@
           </a:ln>
           <a:extLst>
             <a:ext uri="{C572A759-6A51-4108-AA02-DFA0A04FC94B}">
-              <ma14:wrappingTextBoxFlag xmlns:ma14="http://schemas.microsoft.com/office/mac/drawingml/2011/main" xmlns:a14="http://schemas.microsoft.com/office/drawing/2010/main" xmlns:m="http://schemas.openxmlformats.org/officeDocument/2006/math" xmlns="" val="1"/>
+              <ma14:wrappingTextBoxFlag xmlns="" xmlns:m="http://schemas.openxmlformats.org/officeDocument/2006/math" xmlns:a14="http://schemas.microsoft.com/office/drawing/2010/main" xmlns:ma14="http://schemas.microsoft.com/office/mac/drawingml/2011/main" val="1"/>
             </a:ext>
           </a:extLst>
         </p:spPr>
@@ -3003,7 +3003,7 @@
           </a:ln>
           <a:extLst>
             <a:ext uri="{C572A759-6A51-4108-AA02-DFA0A04FC94B}">
-              <ma14:wrappingTextBoxFlag xmlns:ma14="http://schemas.microsoft.com/office/mac/drawingml/2011/main" xmlns:a14="http://schemas.microsoft.com/office/drawing/2010/main" xmlns:m="http://schemas.openxmlformats.org/officeDocument/2006/math" xmlns="" val="1"/>
+              <ma14:wrappingTextBoxFlag xmlns="" xmlns:m="http://schemas.openxmlformats.org/officeDocument/2006/math" xmlns:a14="http://schemas.microsoft.com/office/drawing/2010/main" xmlns:ma14="http://schemas.microsoft.com/office/mac/drawingml/2011/main" val="1"/>
             </a:ext>
           </a:extLst>
         </p:spPr>
@@ -3833,7 +3833,7 @@
           </a:prstGeom>
           <a:extLst>
             <a:ext uri="{C572A759-6A51-4108-AA02-DFA0A04FC94B}">
-              <ma14:wrappingTextBoxFlag xmlns:ma14="http://schemas.microsoft.com/office/mac/drawingml/2011/main" xmlns:a14="http://schemas.microsoft.com/office/drawing/2010/main" xmlns:m="http://schemas.openxmlformats.org/officeDocument/2006/math" xmlns="" val="1"/>
+              <ma14:wrappingTextBoxFlag xmlns="" xmlns:m="http://schemas.openxmlformats.org/officeDocument/2006/math" xmlns:a14="http://schemas.microsoft.com/office/drawing/2010/main" xmlns:ma14="http://schemas.microsoft.com/office/mac/drawingml/2011/main" val="1"/>
             </a:ext>
           </a:extLst>
         </p:spPr>
@@ -4035,8 +4035,16 @@
           </a:p>
           <a:p>
             <a:r>
+              <a:rPr lang="ru-RU" dirty="0" err="1" smtClean="0"/>
+              <a:t>нативным</a:t>
+            </a:r>
+            <a:r>
+              <a:rPr lang="ru-RU" dirty="0" smtClean="0"/>
+              <a:t> </a:t>
+            </a:r>
+            <a:r>
               <a:rPr lang="ru-RU" dirty="0"/>
-              <a:t>Нативным приложением для </a:t>
+              <a:t>приложением для </a:t>
             </a:r>
             <a:r>
               <a:rPr lang="en-US" dirty="0" smtClean="0"/>
@@ -4050,8 +4058,16 @@
           </a:p>
           <a:p>
             <a:r>
-              <a:rPr lang="ru-RU" dirty="0"/>
-              <a:t>Иметь удобный и адаптивный графический пользовательский интерфейс</a:t>
+              <a:rPr lang="ru-RU" dirty="0" smtClean="0"/>
+              <a:t>производить вычисление </a:t>
+            </a:r>
+            <a:r>
+              <a:rPr lang="en-US" dirty="0" smtClean="0"/>
+              <a:t>bpm </a:t>
+            </a:r>
+            <a:r>
+              <a:rPr lang="ru-RU" dirty="0" smtClean="0"/>
+              <a:t>на основе алгоритмов ЦОС</a:t>
             </a:r>
             <a:r>
               <a:rPr lang="ru-RU" dirty="0" smtClean="0"/>
@@ -4061,8 +4077,12 @@
           </a:p>
           <a:p>
             <a:r>
+              <a:rPr lang="ru-RU" dirty="0"/>
+              <a:t>и</a:t>
+            </a:r>
+            <a:r>
               <a:rPr lang="ru-RU" dirty="0" smtClean="0"/>
-              <a:t>Иметь </a:t>
+              <a:t>меть </a:t>
             </a:r>
             <a:r>
               <a:rPr lang="ru-RU" dirty="0"/>
@@ -4077,7 +4097,15 @@
           <a:p>
             <a:r>
               <a:rPr lang="ru-RU" dirty="0"/>
-              <a:t>Иметь возможность добавлять </a:t>
+              <a:t>и</a:t>
+            </a:r>
+            <a:r>
+              <a:rPr lang="ru-RU" dirty="0" smtClean="0"/>
+              <a:t>меть </a:t>
+            </a:r>
+            <a:r>
+              <a:rPr lang="ru-RU" dirty="0"/>
+              <a:t>возможность добавлять </a:t>
             </a:r>
             <a:r>
               <a:rPr lang="ru-RU" dirty="0" smtClean="0"/>
@@ -4107,7 +4135,7 @@
           </a:prstGeom>
           <a:extLst>
             <a:ext uri="{C572A759-6A51-4108-AA02-DFA0A04FC94B}">
-              <ma14:wrappingTextBoxFlag xmlns:ma14="http://schemas.microsoft.com/office/mac/drawingml/2011/main" xmlns:a14="http://schemas.microsoft.com/office/drawing/2010/main" xmlns:m="http://schemas.openxmlformats.org/officeDocument/2006/math" xmlns="" val="1"/>
+              <ma14:wrappingTextBoxFlag xmlns="" xmlns:m="http://schemas.openxmlformats.org/officeDocument/2006/math" xmlns:a14="http://schemas.microsoft.com/office/drawing/2010/main" xmlns:ma14="http://schemas.microsoft.com/office/mac/drawingml/2011/main" val="1"/>
             </a:ext>
           </a:extLst>
         </p:spPr>
@@ -4171,7 +4199,7 @@
           </a:ln>
           <a:extLst>
             <a:ext uri="{C572A759-6A51-4108-AA02-DFA0A04FC94B}">
-              <ma14:wrappingTextBoxFlag xmlns:ma14="http://schemas.microsoft.com/office/mac/drawingml/2011/main" xmlns:a14="http://schemas.microsoft.com/office/drawing/2010/main" xmlns:m="http://schemas.openxmlformats.org/officeDocument/2006/math" xmlns="" val="1"/>
+              <ma14:wrappingTextBoxFlag xmlns="" xmlns:m="http://schemas.openxmlformats.org/officeDocument/2006/math" xmlns:a14="http://schemas.microsoft.com/office/drawing/2010/main" xmlns:ma14="http://schemas.microsoft.com/office/mac/drawingml/2011/main" val="1"/>
             </a:ext>
           </a:extLst>
         </p:spPr>
@@ -4219,7 +4247,7 @@
           </a:ln>
           <a:extLst>
             <a:ext uri="{C572A759-6A51-4108-AA02-DFA0A04FC94B}">
-              <ma14:wrappingTextBoxFlag xmlns:ma14="http://schemas.microsoft.com/office/mac/drawingml/2011/main" xmlns:a14="http://schemas.microsoft.com/office/drawing/2010/main" xmlns:m="http://schemas.openxmlformats.org/officeDocument/2006/math" xmlns="" val="1"/>
+              <ma14:wrappingTextBoxFlag xmlns="" xmlns:m="http://schemas.openxmlformats.org/officeDocument/2006/math" xmlns:a14="http://schemas.microsoft.com/office/drawing/2010/main" xmlns:ma14="http://schemas.microsoft.com/office/mac/drawingml/2011/main" val="1"/>
             </a:ext>
           </a:extLst>
         </p:spPr>
@@ -4247,7 +4275,15 @@
             </a:pPr>
             <a:r>
               <a:rPr lang="ru-RU" dirty="0" smtClean="0"/>
-              <a:t>Разработка алгоритмов открытия аудиофайлов и чтения данных;</a:t>
+              <a:t>р</a:t>
+            </a:r>
+            <a:r>
+              <a:rPr lang="ru-RU" dirty="0" smtClean="0"/>
+              <a:t>азработка </a:t>
+            </a:r>
+            <a:r>
+              <a:rPr lang="ru-RU" dirty="0" smtClean="0"/>
+              <a:t>алгоритмов открытия аудиофайлов и чтения данных;</a:t>
             </a:r>
             <a:endParaRPr lang="ru-RU" dirty="0"/>
           </a:p>
@@ -4270,7 +4306,15 @@
             </a:pPr>
             <a:r>
               <a:rPr lang="ru-RU" dirty="0"/>
-              <a:t>Разработка алгоритмов для преобразования данных в подходящий для </a:t>
+              <a:t>р</a:t>
+            </a:r>
+            <a:r>
+              <a:rPr lang="ru-RU" dirty="0" smtClean="0"/>
+              <a:t>азработка </a:t>
+            </a:r>
+            <a:r>
+              <a:rPr lang="ru-RU" dirty="0"/>
+              <a:t>алгоритмов для преобразования данных в подходящий для </a:t>
             </a:r>
             <a:r>
               <a:rPr lang="ru-RU" dirty="0" smtClean="0"/>
@@ -4299,8 +4343,16 @@
               </a:defRPr>
             </a:pPr>
             <a:r>
+              <a:rPr lang="ru-RU" dirty="0"/>
+              <a:t>р</a:t>
+            </a:r>
+            <a:r>
               <a:rPr lang="ru-RU" dirty="0" smtClean="0"/>
-              <a:t>Разработка алгоритмов анализа преобразованных аудиоданных;</a:t>
+              <a:t>азработка </a:t>
+            </a:r>
+            <a:r>
+              <a:rPr lang="ru-RU" dirty="0" smtClean="0"/>
+              <a:t>алгоритмов анализа преобразованных аудиоданных;</a:t>
             </a:r>
             <a:endParaRPr lang="ru-RU" dirty="0"/>
           </a:p>
@@ -4322,8 +4374,16 @@
               </a:defRPr>
             </a:pPr>
             <a:r>
+              <a:rPr lang="ru-RU" dirty="0"/>
+              <a:t>и</a:t>
+            </a:r>
+            <a:r>
               <a:rPr lang="ru-RU" dirty="0" smtClean="0"/>
-              <a:t>Интеграция результатов анализа аудиоданных непосредственно в игровую логику;</a:t>
+              <a:t>нтеграция </a:t>
+            </a:r>
+            <a:r>
+              <a:rPr lang="ru-RU" dirty="0" smtClean="0"/>
+              <a:t>результатов анализа аудиоданных непосредственно в игровую логику;</a:t>
             </a:r>
           </a:p>
           <a:p>
@@ -4344,8 +4404,16 @@
               </a:defRPr>
             </a:pPr>
             <a:r>
+              <a:rPr lang="ru-RU" dirty="0"/>
+              <a:t>р</a:t>
+            </a:r>
+            <a:r>
               <a:rPr lang="ru-RU" dirty="0" smtClean="0"/>
-              <a:t>Разработка базовых игровых механик;</a:t>
+              <a:t>азработка </a:t>
+            </a:r>
+            <a:r>
+              <a:rPr lang="ru-RU" dirty="0" smtClean="0"/>
+              <a:t>базовых игровых механик;</a:t>
             </a:r>
           </a:p>
           <a:p>
@@ -4366,8 +4434,16 @@
               </a:defRPr>
             </a:pPr>
             <a:r>
+              <a:rPr lang="ru-RU" dirty="0"/>
+              <a:t>р</a:t>
+            </a:r>
+            <a:r>
               <a:rPr lang="ru-RU" dirty="0" smtClean="0"/>
-              <a:t>Разработка пользовательского интерфейса;</a:t>
+              <a:t>азработка </a:t>
+            </a:r>
+            <a:r>
+              <a:rPr lang="ru-RU" dirty="0" smtClean="0"/>
+              <a:t>пользовательского интерфейса;</a:t>
             </a:r>
           </a:p>
           <a:p>
@@ -4388,16 +4464,25 @@
               </a:defRPr>
             </a:pPr>
             <a:r>
-              <a:rPr lang="ru-RU" sz="2100" dirty="0">
+              <a:rPr lang="ru-RU" sz="2000" dirty="0" smtClean="0">
                 <a:solidFill>
                   <a:srgbClr val="000000"/>
                 </a:solidFill>
                 <a:sym typeface="Arial"/>
               </a:rPr>
-              <a:t>Разработка интуитивного для пользователя </a:t>
-            </a:r>
-            <a:r>
-              <a:rPr lang="ru-RU" sz="2100" dirty="0" smtClean="0">
+              <a:t>разработка </a:t>
+            </a:r>
+            <a:r>
+              <a:rPr lang="ru-RU" sz="2000" dirty="0">
+                <a:solidFill>
+                  <a:srgbClr val="000000"/>
+                </a:solidFill>
+                <a:sym typeface="Arial"/>
+              </a:rPr>
+              <a:t>интуитивного для пользователя </a:t>
+            </a:r>
+            <a:r>
+              <a:rPr lang="ru-RU" sz="2000" dirty="0" smtClean="0">
                 <a:solidFill>
                   <a:srgbClr val="000000"/>
                 </a:solidFill>
@@ -4847,7 +4932,11 @@
           <a:p>
             <a:r>
               <a:rPr lang="ru-RU" dirty="0" smtClean="0"/>
-              <a:t>Работа с аудиофайлами формата </a:t>
+              <a:t>работа </a:t>
+            </a:r>
+            <a:r>
+              <a:rPr lang="ru-RU" dirty="0" smtClean="0"/>
+              <a:t>с аудиофайлами формата </a:t>
             </a:r>
             <a:r>
               <a:rPr lang="en-US" dirty="0" smtClean="0"/>
@@ -4861,8 +4950,16 @@
           </a:p>
           <a:p>
             <a:r>
+              <a:rPr lang="ru-RU" dirty="0"/>
+              <a:t>р</a:t>
+            </a:r>
+            <a:r>
               <a:rPr lang="ru-RU" dirty="0" smtClean="0"/>
-              <a:t>Разбиение музыкальных </a:t>
+              <a:t>азбиение </a:t>
+            </a:r>
+            <a:r>
+              <a:rPr lang="ru-RU" dirty="0" smtClean="0"/>
+              <a:t>музыкальных </a:t>
             </a:r>
             <a:r>
               <a:rPr lang="ru-RU" dirty="0" err="1" smtClean="0"/>
@@ -4896,7 +4993,7 @@
           </a:prstGeom>
           <a:extLst>
             <a:ext uri="{C572A759-6A51-4108-AA02-DFA0A04FC94B}">
-              <ma14:wrappingTextBoxFlag xmlns:ma14="http://schemas.microsoft.com/office/mac/drawingml/2011/main" xmlns:a14="http://schemas.microsoft.com/office/drawing/2010/main" xmlns:m="http://schemas.openxmlformats.org/officeDocument/2006/math" xmlns="" val="1"/>
+              <ma14:wrappingTextBoxFlag xmlns="" xmlns:m="http://schemas.openxmlformats.org/officeDocument/2006/math" xmlns:a14="http://schemas.microsoft.com/office/drawing/2010/main" xmlns:ma14="http://schemas.microsoft.com/office/mac/drawingml/2011/main" val="1"/>
             </a:ext>
           </a:extLst>
         </p:spPr>
@@ -4960,7 +5057,7 @@
           </a:ln>
           <a:extLst>
             <a:ext uri="{C572A759-6A51-4108-AA02-DFA0A04FC94B}">
-              <ma14:wrappingTextBoxFlag xmlns:ma14="http://schemas.microsoft.com/office/mac/drawingml/2011/main" xmlns:a14="http://schemas.microsoft.com/office/drawing/2010/main" xmlns:m="http://schemas.openxmlformats.org/officeDocument/2006/math" xmlns="" val="1"/>
+              <ma14:wrappingTextBoxFlag xmlns="" xmlns:m="http://schemas.openxmlformats.org/officeDocument/2006/math" xmlns:a14="http://schemas.microsoft.com/office/drawing/2010/main" xmlns:ma14="http://schemas.microsoft.com/office/mac/drawingml/2011/main" val="1"/>
             </a:ext>
           </a:extLst>
         </p:spPr>
@@ -5008,7 +5105,7 @@
           </a:ln>
           <a:extLst>
             <a:ext uri="{C572A759-6A51-4108-AA02-DFA0A04FC94B}">
-              <ma14:wrappingTextBoxFlag xmlns:ma14="http://schemas.microsoft.com/office/mac/drawingml/2011/main" xmlns:a14="http://schemas.microsoft.com/office/drawing/2010/main" xmlns:m="http://schemas.openxmlformats.org/officeDocument/2006/math" xmlns="" val="1"/>
+              <ma14:wrappingTextBoxFlag xmlns="" xmlns:m="http://schemas.openxmlformats.org/officeDocument/2006/math" xmlns:a14="http://schemas.microsoft.com/office/drawing/2010/main" xmlns:ma14="http://schemas.microsoft.com/office/mac/drawingml/2011/main" val="1"/>
             </a:ext>
           </a:extLst>
         </p:spPr>
@@ -5036,7 +5133,15 @@
             </a:pPr>
             <a:r>
               <a:rPr lang="ru-RU" dirty="0"/>
-              <a:t>Возможность добавлять </a:t>
+              <a:t>в</a:t>
+            </a:r>
+            <a:r>
+              <a:rPr lang="ru-RU" dirty="0" smtClean="0"/>
+              <a:t>озможность </a:t>
+            </a:r>
+            <a:r>
+              <a:rPr lang="ru-RU" dirty="0"/>
+              <a:t>добавлять </a:t>
             </a:r>
             <a:r>
               <a:rPr lang="ru-RU" dirty="0" smtClean="0"/>
@@ -5063,7 +5168,11 @@
             </a:pPr>
             <a:r>
               <a:rPr lang="ru-RU" dirty="0"/>
-              <a:t>Возможность </a:t>
+              <a:t>в</a:t>
+            </a:r>
+            <a:r>
+              <a:rPr lang="ru-RU" dirty="0" smtClean="0"/>
+              <a:t>озможность </a:t>
             </a:r>
             <a:r>
               <a:rPr lang="ru-RU" dirty="0" smtClean="0"/>
@@ -5090,7 +5199,11 @@
             </a:pPr>
             <a:r>
               <a:rPr lang="ru-RU" dirty="0"/>
-              <a:t>Возможность </a:t>
+              <a:t>в</a:t>
+            </a:r>
+            <a:r>
+              <a:rPr lang="ru-RU" dirty="0" smtClean="0"/>
+              <a:t>озможность </a:t>
             </a:r>
             <a:r>
               <a:rPr lang="ru-RU" dirty="0" smtClean="0"/>
@@ -5116,8 +5229,16 @@
               </a:defRPr>
             </a:pPr>
             <a:r>
+              <a:rPr lang="ru-RU" dirty="0"/>
+              <a:t>в</a:t>
+            </a:r>
+            <a:r>
               <a:rPr lang="ru-RU" dirty="0" smtClean="0"/>
-              <a:t>Возможность ставить игру на паузу в любой момент.</a:t>
+              <a:t>озможность </a:t>
+            </a:r>
+            <a:r>
+              <a:rPr lang="ru-RU" dirty="0" smtClean="0"/>
+              <a:t>ставить игру на паузу в любой момент.</a:t>
             </a:r>
             <a:endParaRPr lang="ru-RU" dirty="0"/>
           </a:p>
@@ -5176,13 +5297,29 @@
           <a:p>
             <a:r>
               <a:rPr lang="ru-RU" dirty="0"/>
-              <a:t>Открытый исходный код;</a:t>
-            </a:r>
-          </a:p>
-          <a:p>
+              <a:t>о</a:t>
+            </a:r>
+            <a:r>
+              <a:rPr lang="ru-RU" dirty="0" smtClean="0"/>
+              <a:t>ткрытый </a:t>
+            </a:r>
             <a:r>
               <a:rPr lang="ru-RU" dirty="0"/>
-              <a:t>Возможность добавлять </a:t>
+              <a:t>исходный код;</a:t>
+            </a:r>
+          </a:p>
+          <a:p>
+            <a:r>
+              <a:rPr lang="ru-RU" dirty="0"/>
+              <a:t>в</a:t>
+            </a:r>
+            <a:r>
+              <a:rPr lang="ru-RU" dirty="0" smtClean="0"/>
+              <a:t>озможность </a:t>
+            </a:r>
+            <a:r>
+              <a:rPr lang="ru-RU" dirty="0"/>
+              <a:t>добавлять </a:t>
             </a:r>
             <a:r>
               <a:rPr lang="ru-RU" dirty="0" smtClean="0"/>
@@ -5193,7 +5330,11 @@
           <a:p>
             <a:r>
               <a:rPr lang="ru-RU" dirty="0"/>
-              <a:t>Возможность </a:t>
+              <a:t>в</a:t>
+            </a:r>
+            <a:r>
+              <a:rPr lang="ru-RU" dirty="0" smtClean="0"/>
+              <a:t>озможность </a:t>
             </a:r>
             <a:r>
               <a:rPr lang="ru-RU" dirty="0" smtClean="0"/>
@@ -5202,8 +5343,16 @@
           </a:p>
           <a:p>
             <a:r>
+              <a:rPr lang="ru-RU" dirty="0"/>
+              <a:t>с</a:t>
+            </a:r>
+            <a:r>
               <a:rPr lang="ru-RU" dirty="0" smtClean="0"/>
-              <a:t>Структура проекта позволяет выставить отдельные элементы проекта на </a:t>
+              <a:t>труктура </a:t>
+            </a:r>
+            <a:r>
+              <a:rPr lang="ru-RU" dirty="0" smtClean="0"/>
+              <a:t>проекта позволяет выставить отдельные элементы проекта на </a:t>
             </a:r>
             <a:r>
               <a:rPr lang="ru-RU" dirty="0" err="1" smtClean="0"/>
@@ -5245,7 +5394,7 @@
           </a:prstGeom>
           <a:extLst>
             <a:ext uri="{C572A759-6A51-4108-AA02-DFA0A04FC94B}">
-              <ma14:wrappingTextBoxFlag xmlns:ma14="http://schemas.microsoft.com/office/mac/drawingml/2011/main" xmlns:a14="http://schemas.microsoft.com/office/drawing/2010/main" xmlns:m="http://schemas.openxmlformats.org/officeDocument/2006/math" xmlns="" val="1"/>
+              <ma14:wrappingTextBoxFlag xmlns="" xmlns:m="http://schemas.openxmlformats.org/officeDocument/2006/math" xmlns:a14="http://schemas.microsoft.com/office/drawing/2010/main" xmlns:ma14="http://schemas.microsoft.com/office/mac/drawingml/2011/main" val="1"/>
             </a:ext>
           </a:extLst>
         </p:spPr>
@@ -5313,7 +5462,7 @@
           </a:ln>
           <a:extLst>
             <a:ext uri="{C572A759-6A51-4108-AA02-DFA0A04FC94B}">
-              <ma14:wrappingTextBoxFlag xmlns:ma14="http://schemas.microsoft.com/office/mac/drawingml/2011/main" xmlns:a14="http://schemas.microsoft.com/office/drawing/2010/main" xmlns:m="http://schemas.openxmlformats.org/officeDocument/2006/math" xmlns="" val="1"/>
+              <ma14:wrappingTextBoxFlag xmlns="" xmlns:m="http://schemas.openxmlformats.org/officeDocument/2006/math" xmlns:a14="http://schemas.microsoft.com/office/drawing/2010/main" xmlns:ma14="http://schemas.microsoft.com/office/mac/drawingml/2011/main" val="1"/>
             </a:ext>
           </a:extLst>
         </p:spPr>
@@ -5361,7 +5510,7 @@
           </a:ln>
           <a:extLst>
             <a:ext uri="{C572A759-6A51-4108-AA02-DFA0A04FC94B}">
-              <ma14:wrappingTextBoxFlag xmlns:ma14="http://schemas.microsoft.com/office/mac/drawingml/2011/main" xmlns:a14="http://schemas.microsoft.com/office/drawing/2010/main" xmlns:m="http://schemas.openxmlformats.org/officeDocument/2006/math" xmlns="" val="1"/>
+              <ma14:wrappingTextBoxFlag xmlns="" xmlns:m="http://schemas.openxmlformats.org/officeDocument/2006/math" xmlns:a14="http://schemas.microsoft.com/office/drawing/2010/main" xmlns:ma14="http://schemas.microsoft.com/office/mac/drawingml/2011/main" val="1"/>
             </a:ext>
           </a:extLst>
         </p:spPr>
@@ -5388,8 +5537,16 @@
               </a:defRPr>
             </a:pPr>
             <a:r>
+              <a:rPr lang="ru-RU" dirty="0"/>
+              <a:t>в</a:t>
+            </a:r>
+            <a:r>
               <a:rPr lang="ru-RU" dirty="0" smtClean="0"/>
-              <a:t>Выпуск приложения только для одной операционной системы;</a:t>
+              <a:t>ыпуск </a:t>
+            </a:r>
+            <a:r>
+              <a:rPr lang="ru-RU" dirty="0" smtClean="0"/>
+              <a:t>приложения только для одной операционной системы;</a:t>
             </a:r>
             <a:endParaRPr lang="ru-RU" dirty="0"/>
           </a:p>
@@ -5414,7 +5571,7 @@
           </a:ln>
           <a:extLst>
             <a:ext uri="{C572A759-6A51-4108-AA02-DFA0A04FC94B}">
-              <ma14:wrappingTextBoxFlag xmlns:ma14="http://schemas.microsoft.com/office/mac/drawingml/2011/main" xmlns:a14="http://schemas.microsoft.com/office/drawing/2010/main" xmlns:m="http://schemas.openxmlformats.org/officeDocument/2006/math" xmlns="" val="1"/>
+              <ma14:wrappingTextBoxFlag xmlns="" xmlns:m="http://schemas.openxmlformats.org/officeDocument/2006/math" xmlns:a14="http://schemas.microsoft.com/office/drawing/2010/main" xmlns:ma14="http://schemas.microsoft.com/office/mac/drawingml/2011/main" val="1"/>
             </a:ext>
           </a:extLst>
         </p:spPr>
@@ -5453,7 +5610,7 @@
           <p:cNvPr id="3" name="Недостатки">
             <a:extLst>
               <a:ext uri="{FF2B5EF4-FFF2-40B4-BE49-F238E27FC236}">
-                <a16:creationId xmlns:a16="http://schemas.microsoft.com/office/drawing/2014/main" xmlns="" id="{0A372D5F-F70E-7506-B020-86E694362529}"/>
+                <a16:creationId xmlns="" xmlns:a16="http://schemas.microsoft.com/office/drawing/2014/main" id="{0A372D5F-F70E-7506-B020-86E694362529}"/>
               </a:ext>
             </a:extLst>
           </p:cNvPr>
@@ -5473,7 +5630,7 @@
           </a:ln>
           <a:extLst>
             <a:ext uri="{C572A759-6A51-4108-AA02-DFA0A04FC94B}">
-              <ma14:wrappingTextBoxFlag xmlns:ma14="http://schemas.microsoft.com/office/mac/drawingml/2011/main" xmlns:a14="http://schemas.microsoft.com/office/drawing/2010/main" xmlns:m="http://schemas.openxmlformats.org/officeDocument/2006/math" xmlns="" val="1"/>
+              <ma14:wrappingTextBoxFlag xmlns="" xmlns:m="http://schemas.openxmlformats.org/officeDocument/2006/math" xmlns:a14="http://schemas.microsoft.com/office/drawing/2010/main" xmlns:ma14="http://schemas.microsoft.com/office/mac/drawingml/2011/main" val="1"/>
             </a:ext>
           </a:extLst>
         </p:spPr>
@@ -5507,7 +5664,7 @@
           <p:cNvPr id="4" name="Отсутствие виджетов;…">
             <a:extLst>
               <a:ext uri="{FF2B5EF4-FFF2-40B4-BE49-F238E27FC236}">
-                <a16:creationId xmlns:a16="http://schemas.microsoft.com/office/drawing/2014/main" xmlns="" id="{2F8F5178-DDB2-ECC2-8A32-FF6F540AAF0B}"/>
+                <a16:creationId xmlns="" xmlns:a16="http://schemas.microsoft.com/office/drawing/2014/main" id="{2F8F5178-DDB2-ECC2-8A32-FF6F540AAF0B}"/>
               </a:ext>
             </a:extLst>
           </p:cNvPr>
@@ -5527,7 +5684,7 @@
           </a:ln>
           <a:extLst>
             <a:ext uri="{C572A759-6A51-4108-AA02-DFA0A04FC94B}">
-              <ma14:wrappingTextBoxFlag xmlns:ma14="http://schemas.microsoft.com/office/mac/drawingml/2011/main" xmlns:a14="http://schemas.microsoft.com/office/drawing/2010/main" xmlns:m="http://schemas.openxmlformats.org/officeDocument/2006/math" xmlns="" val="1"/>
+              <ma14:wrappingTextBoxFlag xmlns="" xmlns:m="http://schemas.openxmlformats.org/officeDocument/2006/math" xmlns:a14="http://schemas.microsoft.com/office/drawing/2010/main" xmlns:ma14="http://schemas.microsoft.com/office/mac/drawingml/2011/main" val="1"/>
             </a:ext>
           </a:extLst>
         </p:spPr>
@@ -5554,8 +5711,16 @@
               </a:defRPr>
             </a:pPr>
             <a:r>
+              <a:rPr lang="ru-RU" dirty="0"/>
+              <a:t>в</a:t>
+            </a:r>
+            <a:r>
               <a:rPr lang="ru-RU" dirty="0" smtClean="0"/>
-              <a:t>Выход игры на мобильный платформах;</a:t>
+              <a:t>ыход </a:t>
+            </a:r>
+            <a:r>
+              <a:rPr lang="ru-RU" dirty="0" smtClean="0"/>
+              <a:t>игры на мобильный платформах;</a:t>
             </a:r>
           </a:p>
           <a:p>
@@ -5577,7 +5742,11 @@
             </a:pPr>
             <a:r>
               <a:rPr lang="ru-RU" dirty="0" smtClean="0"/>
-              <a:t>Развитие собственной библиотеки треков для вовлечения новых игроков.</a:t>
+              <a:t>развитие </a:t>
+            </a:r>
+            <a:r>
+              <a:rPr lang="ru-RU" dirty="0" smtClean="0"/>
+              <a:t>собственной библиотеки треков для вовлечения новых игроков.</a:t>
             </a:r>
             <a:endParaRPr lang="ru-RU" dirty="0"/>
           </a:p>
